--- a/Nashville Housing.pptx
+++ b/Nashville Housing.pptx
@@ -122,6 +122,10 @@
             <p14:sldId id="305"/>
             <p14:sldId id="303"/>
             <p14:sldId id="301"/>
+          </p14:sldIdLst>
+        </p14:section>
+        <p14:section name="Untitled Section" id="{183823A0-DD5B-46FE-827F-6D7F48F34002}">
+          <p14:sldIdLst>
             <p14:sldId id="302"/>
             <p14:sldId id="304"/>
           </p14:sldIdLst>
@@ -141,6 +145,18 @@
     </p:ext>
   </p:extLst>
 </p:presentation>
+</file>
+
+<file path=ppt/commentAuthors.xml><?xml version="1.0" encoding="utf-8"?>
+<p:cmAuthorLst xmlns:a="http://schemas.openxmlformats.org/drawingml/2006/main" xmlns:r="http://schemas.openxmlformats.org/officeDocument/2006/relationships" xmlns:p="http://schemas.openxmlformats.org/presentationml/2006/main">
+  <p:cmAuthor id="1" name="Liu, Chenxi (Operations &amp; Technology)" initials="LC(&amp;T" lastIdx="1" clrIdx="0">
+    <p:extLst>
+      <p:ext uri="{19B8F6BF-5375-455C-9EA6-DF929625EA0E}">
+        <p15:presenceInfo xmlns:p15="http://schemas.microsoft.com/office/powerpoint/2012/main" userId="S::Chenxi.Liu@thomsonreuters.com::956e10e5-b231-43fe-aa50-2a511849209a" providerId="AD"/>
+      </p:ext>
+    </p:extLst>
+  </p:cmAuthor>
+</p:cmAuthorLst>
 </file>
 
 <file path=ppt/revisionInfo.xml><?xml version="1.0" encoding="utf-8"?>
@@ -18491,6 +18507,20 @@
 </cs:chartStyle>
 </file>
 
+<file path=ppt/comments/comment1.xml><?xml version="1.0" encoding="utf-8"?>
+<p:cmLst xmlns:a="http://schemas.openxmlformats.org/drawingml/2006/main" xmlns:r="http://schemas.openxmlformats.org/officeDocument/2006/relationships" xmlns:p="http://schemas.openxmlformats.org/presentationml/2006/main">
+  <p:cm authorId="1" dt="2022-01-03T23:22:13.599" idx="1">
+    <p:pos x="10" y="10"/>
+    <p:text/>
+    <p:extLst>
+      <p:ext uri="{C676402C-5697-4E1C-873F-D02D1690AC5C}">
+        <p15:threadingInfo xmlns:p15="http://schemas.microsoft.com/office/powerpoint/2012/main" timeZoneBias="360"/>
+      </p:ext>
+    </p:extLst>
+  </p:cm>
+</p:cmLst>
+</file>
+
 <file path=ppt/slideLayouts/slideLayout1.xml><?xml version="1.0" encoding="utf-8"?>
 <p:sldLayout xmlns:a="http://schemas.openxmlformats.org/drawingml/2006/main" xmlns:r="http://schemas.openxmlformats.org/officeDocument/2006/relationships" xmlns:p="http://schemas.openxmlformats.org/presentationml/2006/main" showMasterSp="0" type="title" preserve="1">
   <p:cSld name="Title Slide">
@@ -18735,7 +18765,7 @@
           <a:p>
             <a:fld id="{9184DA70-C731-4C70-880D-CCD4705E623C}" type="datetime1">
               <a:rPr lang="en-US" smtClean="0"/>
-              <a:t>12/16/2021</a:t>
+              <a:t>1/3/2022</a:t>
             </a:fld>
             <a:endParaRPr lang="en-US" dirty="0"/>
           </a:p>
@@ -18923,7 +18953,7 @@
           <a:p>
             <a:fld id="{4BE1D723-8F53-4F53-90B0-1982A396982E}" type="datetime1">
               <a:rPr lang="en-US" smtClean="0"/>
-              <a:t>12/16/2021</a:t>
+              <a:t>1/3/2022</a:t>
             </a:fld>
             <a:endParaRPr lang="en-US" dirty="0"/>
           </a:p>
@@ -19296,7 +19326,7 @@
           <a:p>
             <a:fld id="{97669AF7-7BEB-44E4-9852-375E34362B5B}" type="datetime1">
               <a:rPr lang="en-US" smtClean="0"/>
-              <a:t>12/16/2021</a:t>
+              <a:t>1/3/2022</a:t>
             </a:fld>
             <a:endParaRPr lang="en-US" dirty="0"/>
           </a:p>
@@ -19551,7 +19581,7 @@
           <a:p>
             <a:fld id="{BAAAC38D-0552-4C82-B593-E6124DFADBE2}" type="datetime1">
               <a:rPr lang="en-US" smtClean="0"/>
-              <a:t>12/16/2021</a:t>
+              <a:t>1/3/2022</a:t>
             </a:fld>
             <a:endParaRPr lang="en-US" dirty="0"/>
           </a:p>
@@ -19948,7 +19978,7 @@
           <a:p>
             <a:fld id="{D9DF0F1C-5577-4ACB-BB62-DF8F3C494C7E}" type="datetime1">
               <a:rPr lang="en-US" smtClean="0"/>
-              <a:t>12/16/2021</a:t>
+              <a:t>1/3/2022</a:t>
             </a:fld>
             <a:endParaRPr lang="en-US" dirty="0"/>
           </a:p>
@@ -20084,7 +20114,7 @@
           <a:p>
             <a:fld id="{1775B394-D9F9-4F0C-B15D-605F45CB9E9F}" type="datetime1">
               <a:rPr lang="en-US" smtClean="0"/>
-              <a:t>12/16/2021</a:t>
+              <a:t>1/3/2022</a:t>
             </a:fld>
             <a:endParaRPr lang="en-US" dirty="0"/>
           </a:p>
@@ -20241,7 +20271,7 @@
           <a:p>
             <a:fld id="{39667345-2558-425A-8533-9BFDBCE15005}" type="datetime1">
               <a:rPr lang="en-US" smtClean="0"/>
-              <a:t>12/16/2021</a:t>
+              <a:t>1/3/2022</a:t>
             </a:fld>
             <a:endParaRPr lang="en-US" dirty="0"/>
           </a:p>
@@ -20570,7 +20600,7 @@
           <a:p>
             <a:fld id="{92BEA474-078D-4E9B-9B14-09A87B19DC46}" type="datetime1">
               <a:rPr lang="en-US" smtClean="0"/>
-              <a:t>12/16/2021</a:t>
+              <a:t>1/3/2022</a:t>
             </a:fld>
             <a:endParaRPr lang="en-US" dirty="0"/>
           </a:p>
@@ -20920,7 +20950,7 @@
           <a:p>
             <a:fld id="{4907D986-8816-4272-A432-0437A28A9828}" type="datetime1">
               <a:rPr lang="en-US" smtClean="0"/>
-              <a:t>12/16/2021</a:t>
+              <a:t>1/3/2022</a:t>
             </a:fld>
             <a:endParaRPr lang="en-US" dirty="0"/>
           </a:p>
@@ -21181,7 +21211,7 @@
           <a:p>
             <a:fld id="{62D6E202-B606-4609-B914-27C9371A1F6D}" type="datetime1">
               <a:rPr lang="en-US" smtClean="0"/>
-              <a:t>12/16/2021</a:t>
+              <a:t>1/3/2022</a:t>
             </a:fld>
             <a:endParaRPr lang="en-US" dirty="0"/>
           </a:p>
@@ -22492,7 +22522,7 @@
         </p:spPr>
         <p:txBody>
           <a:bodyPr vert="horz" lIns="0" tIns="45720" rIns="0" bIns="45720" rtlCol="0">
-            <a:normAutofit lnSpcReduction="10000"/>
+            <a:normAutofit fontScale="92500" lnSpcReduction="20000"/>
           </a:bodyPr>
           <a:lstStyle/>
           <a:p>
@@ -22505,7 +22535,7 @@
             </a:pPr>
             <a:r>
               <a:rPr lang="en-US" dirty="0"/>
-              <a:t>Nashville metro housing marketing is still health level, and it doesn’t have supply issue to meet supply due to the vacancy rate. </a:t>
+              <a:t>Nashville metro housing marketing is still health level, and it doesn’t have supply issue to meet demand due to the vacancy rate. </a:t>
             </a:r>
           </a:p>
           <a:p>
@@ -22518,24 +22548,7 @@
             </a:pPr>
             <a:r>
               <a:rPr lang="en-US" dirty="0"/>
-              <a:t>The low mortgage rate will keep attracting potential buyers and builders as long as Federal Reserve would not change it in the currently years. </a:t>
-            </a:r>
-          </a:p>
-          <a:p>
-            <a:pPr marL="457200" indent="-457200">
-              <a:lnSpc>
-                <a:spcPct val="100000"/>
-              </a:lnSpc>
-              <a:buFont typeface="Calibri" panose="020F0502020204030204" pitchFamily="34" charset="0"/>
-              <a:buAutoNum type="arabicPeriod"/>
-            </a:pPr>
-            <a:r>
-              <a:rPr lang="en-US" dirty="0"/>
-              <a:t> The population in Nashville does not skyrocketing growth. The metro rental costs may push new Nashvillians to move sub </a:t>
-            </a:r>
-            <a:r>
-              <a:rPr lang="en-US" altLang="zh-CN" dirty="0"/>
-              <a:t>city for cheaper price. Therefore, they will drive the development for housing service and value. </a:t>
+              <a:t>The low mortgage rate will keep attracting potential buyers and builders as long as Federal Reserve would not change sharply in the currently years. It may be safe to invest Nashville even the time like 2008-2010. </a:t>
             </a:r>
           </a:p>
           <a:p>
@@ -22548,8 +22561,9 @@
             </a:pPr>
             <a:r>
               <a:rPr lang="en-US" altLang="zh-CN" dirty="0"/>
-              <a:t>Nashville house value and rental properties costs will go higher as expected as the other elements don’t change suddenly. </a:t>
+              <a:t>The marketing of Nashville city applied successfully methods for branding the city to attract newer Nashvillians. The metro properties still have room for higher profit. </a:t>
             </a:r>
+            <a:endParaRPr lang="en-US" dirty="0"/>
           </a:p>
           <a:p>
             <a:pPr marL="457200" indent="-457200">
@@ -22558,6 +22572,22 @@
               </a:lnSpc>
               <a:buFont typeface="Calibri" panose="020F0502020204030204" pitchFamily="34" charset="0"/>
               <a:buAutoNum type="arabicPeriod"/>
+            </a:pPr>
+            <a:r>
+              <a:rPr lang="en-US" dirty="0"/>
+              <a:t>The population growth in Nashville does not skyrocketing growth as median expected. The metro rental costs may push new Nashvillians away to sub </a:t>
+            </a:r>
+            <a:r>
+              <a:rPr lang="en-US" altLang="zh-CN" dirty="0"/>
+              <a:t>city for cheaper costs. Therefore, they will drive the sub-city development for housing service and value. It may case the vacancy rate high if the supply over demand. </a:t>
+            </a:r>
+          </a:p>
+          <a:p>
+            <a:pPr marL="0" indent="0">
+              <a:lnSpc>
+                <a:spcPct val="100000"/>
+              </a:lnSpc>
+              <a:buNone/>
             </a:pPr>
             <a:endParaRPr lang="en-US" dirty="0"/>
           </a:p>
@@ -23426,7 +23456,7 @@
             </a:pPr>
             <a:r>
               <a:rPr lang="en-US" sz="1400" dirty="0"/>
-              <a:t>Analysis the nowadays housing market. Where the Nashville housing market stand in and how much room for Nashville housing market to grow. </a:t>
+              <a:t>Analysis the nowadays housing market,  the position of Nashville housing market and the potential of growth rate of Nashville market. </a:t>
             </a:r>
           </a:p>
           <a:p>
@@ -23675,7 +23705,7 @@
                   <a:srgbClr val="FFFFFF"/>
                 </a:solidFill>
               </a:rPr>
-              <a:t>Three Cities And Reasons Of Picking Up These Cities:</a:t>
+              <a:t>The Reasons Of Picking Up Three Cities:</a:t>
             </a:r>
             <a:br>
               <a:rPr lang="en-US" sz="2800" dirty="0">
@@ -23690,7 +23720,7 @@
                   <a:srgbClr val="FFFFFF"/>
                 </a:solidFill>
               </a:rPr>
-              <a:t>Los Angles ; Atlanta; Nashville</a:t>
+              <a:t>Los Angles, Atlanta, Nashville</a:t>
             </a:r>
           </a:p>
         </p:txBody>
@@ -24022,7 +24052,7 @@
             </a:pPr>
             <a:r>
               <a:rPr lang="en-US" dirty="0"/>
-              <a:t>Population – </a:t>
+              <a:t>Population, Metro area– </a:t>
             </a:r>
             <a:r>
               <a:rPr lang="en-US" sz="1400" dirty="0"/>
@@ -24725,7 +24755,7 @@
             </a:pPr>
             <a:r>
               <a:rPr lang="en-US" dirty="0"/>
-              <a:t>Los Angeles as one of major cities in the highest GDP state. It presents the ceiling for housing market.</a:t>
+              <a:t>Los Angeles as one of major cities in the highest GDP state. It presents the ceiling of US housing value.</a:t>
             </a:r>
           </a:p>
           <a:p>
@@ -24735,15 +24765,8 @@
             </a:pPr>
             <a:r>
               <a:rPr lang="en-US" dirty="0"/>
-              <a:t>Atlanta and Nashville are two capitals in their own states. Medians believe that the Nashville will be the next Atlanta. Atlanta and Nashville has a lot of commons from geography and weather.  </a:t>
+              <a:t>Atlanta and Nashville are two capitals in their own states. Medians believe that the Nashville will become the next Atlanta. Atlanta and Nashville has a lot of commons from geography, weather, etc.  </a:t>
             </a:r>
-          </a:p>
-          <a:p>
-            <a:pPr>
-              <a:buFont typeface="Wingdings" panose="05000000000000000000" pitchFamily="2" charset="2"/>
-              <a:buChar char="q"/>
-            </a:pPr>
-            <a:endParaRPr lang="en-US" dirty="0"/>
           </a:p>
           <a:p>
             <a:pPr>
@@ -24891,7 +24914,7 @@
           <a:p>
             <a:r>
               <a:rPr lang="en-US" sz="1600" b="1" dirty="0"/>
-              <a:t>The Average Housing Price Trends In Three Cities( 2000-2021 )</a:t>
+              <a:t>The Average Housing Price Trends In Three Cities (2000-2021 )</a:t>
             </a:r>
           </a:p>
         </p:txBody>
@@ -24920,7 +24943,7 @@
         </p:spPr>
         <p:txBody>
           <a:bodyPr>
-            <a:normAutofit fontScale="92500" lnSpcReduction="10000"/>
+            <a:normAutofit/>
           </a:bodyPr>
           <a:lstStyle/>
           <a:p>
@@ -24930,15 +24953,22 @@
             </a:pPr>
             <a:r>
               <a:rPr lang="en-US" dirty="0"/>
-              <a:t>The average house prices of Atlanta and Nashville in 2021 are close to LA in 2002 level. There is an enormous gap between LA and other two. (</a:t>
+              <a:t>There is a huge gap between LA and other two cities. (</a:t>
             </a:r>
             <a:r>
               <a:rPr lang="en-US" sz="1500" i="1" u="sng" dirty="0"/>
-              <a:t>Considering the public translation and mobilization convenience, it might cause the gap between LA and other two</a:t>
+              <a:t>Considering the public translation and mobilization convenience, they might cause the gap)</a:t>
             </a:r>
+            <a:endParaRPr lang="en-US" dirty="0"/>
+          </a:p>
+          <a:p>
+            <a:pPr marL="285750" indent="-285750">
+              <a:buFont typeface="Arial" panose="020B0604020202020204" pitchFamily="34" charset="0"/>
+              <a:buChar char="•"/>
+            </a:pPr>
             <a:r>
               <a:rPr lang="en-US" dirty="0"/>
-              <a:t>.)</a:t>
+              <a:t>Nashville house average price gained 126% to comparing with Atlanta 81% in 20 years.  </a:t>
             </a:r>
           </a:p>
           <a:p>
@@ -24948,27 +24978,7 @@
             </a:pPr>
             <a:r>
               <a:rPr lang="en-US" dirty="0"/>
-              <a:t>Nashville house average price gained 126% to comparing with Atlanta 81% </a:t>
-            </a:r>
-          </a:p>
-          <a:p>
-            <a:pPr marL="285750" indent="-285750">
-              <a:buFont typeface="Arial" panose="020B0604020202020204" pitchFamily="34" charset="0"/>
-              <a:buChar char="•"/>
-            </a:pPr>
-            <a:r>
-              <a:rPr lang="en-US" dirty="0"/>
-              <a:t>There was significant drop during the 2008-2013 in the LA and Atlanta. However, Nashville house prices didn’t receive the same impact. </a:t>
-            </a:r>
-          </a:p>
-          <a:p>
-            <a:pPr marL="285750" indent="-285750">
-              <a:buFont typeface="Arial" panose="020B0604020202020204" pitchFamily="34" charset="0"/>
-              <a:buChar char="•"/>
-            </a:pPr>
-            <a:r>
-              <a:rPr lang="en-US" dirty="0"/>
-              <a:t>The average housing price in Nashville as investment is attractive in total. </a:t>
+              <a:t>There was significant drop during the 2008-2013 in the LA and Atlanta. However, Nashville house price didn’t receive the same impact as other two. </a:t>
             </a:r>
           </a:p>
           <a:p>
@@ -25115,14 +25125,14 @@
           <p:nvPr>
             <p:extLst>
               <p:ext uri="{D42A27DB-BD31-4B8C-83A1-F6EECF244321}">
-                <p14:modId xmlns:p14="http://schemas.microsoft.com/office/powerpoint/2010/main" val="3287950026"/>
+                <p14:modId xmlns:p14="http://schemas.microsoft.com/office/powerpoint/2010/main" val="3606650027"/>
               </p:ext>
             </p:extLst>
           </p:nvPr>
         </p:nvGraphicFramePr>
         <p:xfrm>
-          <a:off x="1402672" y="2060195"/>
-          <a:ext cx="8052048" cy="3506107"/>
+          <a:off x="996696" y="2137400"/>
+          <a:ext cx="7488936" cy="3428902"/>
         </p:xfrm>
         <a:graphic>
           <a:graphicData uri="http://schemas.openxmlformats.org/drawingml/2006/table">
@@ -25131,28 +25141,28 @@
                 <a:tableStyleId>{5C22544A-7EE6-4342-B048-85BDC9FD1C3A}</a:tableStyleId>
               </a:tblPr>
               <a:tblGrid>
-                <a:gridCol w="2013012">
+                <a:gridCol w="1872234">
                   <a:extLst>
                     <a:ext uri="{9D8B030D-6E8A-4147-A177-3AD203B41FA5}">
                       <a16:colId xmlns:a16="http://schemas.microsoft.com/office/drawing/2014/main" val="2272663806"/>
                     </a:ext>
                   </a:extLst>
                 </a:gridCol>
-                <a:gridCol w="2013012">
+                <a:gridCol w="1872234">
                   <a:extLst>
                     <a:ext uri="{9D8B030D-6E8A-4147-A177-3AD203B41FA5}">
                       <a16:colId xmlns:a16="http://schemas.microsoft.com/office/drawing/2014/main" val="2033375721"/>
                     </a:ext>
                   </a:extLst>
                 </a:gridCol>
-                <a:gridCol w="2013012">
+                <a:gridCol w="1872234">
                   <a:extLst>
                     <a:ext uri="{9D8B030D-6E8A-4147-A177-3AD203B41FA5}">
                       <a16:colId xmlns:a16="http://schemas.microsoft.com/office/drawing/2014/main" val="525354617"/>
                     </a:ext>
                   </a:extLst>
                 </a:gridCol>
-                <a:gridCol w="2013012">
+                <a:gridCol w="1872234">
                   <a:extLst>
                     <a:ext uri="{9D8B030D-6E8A-4147-A177-3AD203B41FA5}">
                       <a16:colId xmlns:a16="http://schemas.microsoft.com/office/drawing/2014/main" val="2309494867"/>
@@ -25160,7 +25170,7 @@
                   </a:extLst>
                 </a:gridCol>
               </a:tblGrid>
-              <a:tr h="378474">
+              <a:tr h="369748">
                 <a:tc>
                   <a:txBody>
                     <a:bodyPr/>
@@ -25168,7 +25178,7 @@
                     <a:p>
                       <a:pPr algn="ctr" fontAlgn="b"/>
                       <a:r>
-                        <a:rPr lang="en-US" sz="2400" b="0" i="0" u="none" strike="noStrike" dirty="0">
+                        <a:rPr lang="en-US" sz="2400" b="1" i="0" u="none" strike="noStrike" dirty="0">
                           <a:solidFill>
                             <a:srgbClr val="000000"/>
                           </a:solidFill>
@@ -25188,7 +25198,7 @@
                     <a:p>
                       <a:pPr algn="ctr" fontAlgn="b"/>
                       <a:r>
-                        <a:rPr lang="en-US" sz="2400" b="0" i="0" u="none" strike="noStrike" dirty="0">
+                        <a:rPr lang="en-US" sz="2400" b="1" i="0" u="none" strike="noStrike" dirty="0">
                           <a:solidFill>
                             <a:srgbClr val="000000"/>
                           </a:solidFill>
@@ -25208,7 +25218,7 @@
                     <a:p>
                       <a:pPr algn="ctr" fontAlgn="b"/>
                       <a:r>
-                        <a:rPr lang="en-US" sz="2400" b="0" i="0" u="none" strike="noStrike" dirty="0">
+                        <a:rPr lang="en-US" sz="2400" b="1" i="0" u="none" strike="noStrike" dirty="0">
                           <a:solidFill>
                             <a:srgbClr val="000000"/>
                           </a:solidFill>
@@ -25228,7 +25238,7 @@
                     <a:p>
                       <a:pPr algn="ctr" fontAlgn="b"/>
                       <a:r>
-                        <a:rPr lang="en-US" sz="2400" b="0" i="0" u="none" strike="noStrike" dirty="0">
+                        <a:rPr lang="en-US" sz="2400" b="1" i="0" u="none" strike="noStrike" dirty="0">
                           <a:solidFill>
                             <a:srgbClr val="000000"/>
                           </a:solidFill>
@@ -25247,7 +25257,7 @@
                   </a:ext>
                 </a:extLst>
               </a:tr>
-              <a:tr h="378474">
+              <a:tr h="369748">
                 <a:tc>
                   <a:txBody>
                     <a:bodyPr/>
@@ -25282,7 +25292,7 @@
                           <a:effectLst/>
                           <a:latin typeface="Calibri" panose="020F0502020204030204" pitchFamily="34" charset="0"/>
                         </a:rPr>
-                        <a:t>1776.5</a:t>
+                        <a:t>$1776.5</a:t>
                       </a:r>
                     </a:p>
                   </a:txBody>
@@ -25302,7 +25312,7 @@
                           <a:effectLst/>
                           <a:latin typeface="Calibri" panose="020F0502020204030204" pitchFamily="34" charset="0"/>
                         </a:rPr>
-                        <a:t>1099</a:t>
+                        <a:t>$1099</a:t>
                       </a:r>
                     </a:p>
                   </a:txBody>
@@ -25322,7 +25332,7 @@
                           <a:effectLst/>
                           <a:latin typeface="Calibri" panose="020F0502020204030204" pitchFamily="34" charset="0"/>
                         </a:rPr>
-                        <a:t>1167</a:t>
+                        <a:t>$1167</a:t>
                       </a:r>
                     </a:p>
                   </a:txBody>
@@ -25334,7 +25344,7 @@
                   </a:ext>
                 </a:extLst>
               </a:tr>
-              <a:tr h="392737">
+              <a:tr h="383682">
                 <a:tc>
                   <a:txBody>
                     <a:bodyPr/>
@@ -25362,14 +25372,14 @@
                     <a:p>
                       <a:pPr algn="ctr" fontAlgn="b"/>
                       <a:r>
-                        <a:rPr lang="en-US" sz="1400" b="0" i="0" u="none" strike="noStrike">
+                        <a:rPr lang="en-US" sz="1400" b="0" i="0" u="none" strike="noStrike" dirty="0">
                           <a:solidFill>
                             <a:srgbClr val="000000"/>
                           </a:solidFill>
                           <a:effectLst/>
                           <a:latin typeface="Calibri" panose="020F0502020204030204" pitchFamily="34" charset="0"/>
                         </a:rPr>
-                        <a:t>1899</a:t>
+                        <a:t>$1899</a:t>
                       </a:r>
                     </a:p>
                   </a:txBody>
@@ -25382,14 +25392,14 @@
                     <a:p>
                       <a:pPr algn="ctr" fontAlgn="b"/>
                       <a:r>
-                        <a:rPr lang="en-US" sz="1400" b="0" i="0" u="none" strike="noStrike">
+                        <a:rPr lang="en-US" sz="1400" b="0" i="0" u="none" strike="noStrike" dirty="0">
                           <a:solidFill>
                             <a:srgbClr val="000000"/>
                           </a:solidFill>
                           <a:effectLst/>
                           <a:latin typeface="Calibri" panose="020F0502020204030204" pitchFamily="34" charset="0"/>
                         </a:rPr>
-                        <a:t>1153.5</a:t>
+                        <a:t>$1153.5</a:t>
                       </a:r>
                     </a:p>
                   </a:txBody>
@@ -25402,14 +25412,14 @@
                     <a:p>
                       <a:pPr algn="ctr" fontAlgn="b"/>
                       <a:r>
-                        <a:rPr lang="en-US" sz="1400" b="0" i="0" u="none" strike="noStrike">
+                        <a:rPr lang="en-US" sz="1400" b="0" i="0" u="none" strike="noStrike" dirty="0">
                           <a:solidFill>
                             <a:srgbClr val="000000"/>
                           </a:solidFill>
                           <a:effectLst/>
                           <a:latin typeface="Calibri" panose="020F0502020204030204" pitchFamily="34" charset="0"/>
                         </a:rPr>
-                        <a:t>1250</a:t>
+                        <a:t>$1250</a:t>
                       </a:r>
                     </a:p>
                   </a:txBody>
@@ -25421,7 +25431,7 @@
                   </a:ext>
                 </a:extLst>
               </a:tr>
-              <a:tr h="392737">
+              <a:tr h="383682">
                 <a:tc>
                   <a:txBody>
                     <a:bodyPr/>
@@ -25456,7 +25466,7 @@
                           <a:effectLst/>
                           <a:latin typeface="Calibri" panose="020F0502020204030204" pitchFamily="34" charset="0"/>
                         </a:rPr>
-                        <a:t>2021</a:t>
+                        <a:t>$2021</a:t>
                       </a:r>
                     </a:p>
                   </a:txBody>
@@ -25469,14 +25479,14 @@
                     <a:p>
                       <a:pPr algn="ctr" fontAlgn="b"/>
                       <a:r>
-                        <a:rPr lang="en-US" sz="1400" b="0" i="0" u="none" strike="noStrike">
+                        <a:rPr lang="en-US" sz="1400" b="0" i="0" u="none" strike="noStrike" dirty="0">
                           <a:solidFill>
                             <a:srgbClr val="000000"/>
                           </a:solidFill>
                           <a:effectLst/>
                           <a:latin typeface="Calibri" panose="020F0502020204030204" pitchFamily="34" charset="0"/>
                         </a:rPr>
-                        <a:t>1222</a:t>
+                        <a:t>$1222</a:t>
                       </a:r>
                     </a:p>
                   </a:txBody>
@@ -25489,14 +25499,14 @@
                     <a:p>
                       <a:pPr algn="ctr" fontAlgn="b"/>
                       <a:r>
-                        <a:rPr lang="en-US" sz="1400" b="0" i="0" u="none" strike="noStrike">
+                        <a:rPr lang="en-US" sz="1400" b="0" i="0" u="none" strike="noStrike" dirty="0">
                           <a:solidFill>
                             <a:srgbClr val="000000"/>
                           </a:solidFill>
                           <a:effectLst/>
                           <a:latin typeface="Calibri" panose="020F0502020204030204" pitchFamily="34" charset="0"/>
                         </a:rPr>
-                        <a:t>1319.5</a:t>
+                        <a:t>$1319.5</a:t>
                       </a:r>
                     </a:p>
                   </a:txBody>
@@ -25508,7 +25518,7 @@
                   </a:ext>
                 </a:extLst>
               </a:tr>
-              <a:tr h="392737">
+              <a:tr h="383682">
                 <a:tc>
                   <a:txBody>
                     <a:bodyPr/>
@@ -25516,7 +25526,7 @@
                     <a:p>
                       <a:pPr algn="ctr" fontAlgn="b"/>
                       <a:r>
-                        <a:rPr lang="en-US" sz="1400" b="0" i="0" u="none" strike="noStrike">
+                        <a:rPr lang="en-US" sz="1400" b="0" i="0" u="none" strike="noStrike" dirty="0">
                           <a:solidFill>
                             <a:srgbClr val="000000"/>
                           </a:solidFill>
@@ -25543,7 +25553,7 @@
                           <a:effectLst/>
                           <a:latin typeface="Calibri" panose="020F0502020204030204" pitchFamily="34" charset="0"/>
                         </a:rPr>
-                        <a:t>2127</a:t>
+                        <a:t>$2127</a:t>
                       </a:r>
                     </a:p>
                   </a:txBody>
@@ -25556,14 +25566,14 @@
                     <a:p>
                       <a:pPr algn="ctr" fontAlgn="b"/>
                       <a:r>
-                        <a:rPr lang="en-US" sz="1400" b="0" i="0" u="none" strike="noStrike">
+                        <a:rPr lang="en-US" sz="1400" b="0" i="0" u="none" strike="noStrike" dirty="0">
                           <a:solidFill>
                             <a:srgbClr val="000000"/>
                           </a:solidFill>
                           <a:effectLst/>
                           <a:latin typeface="Calibri" panose="020F0502020204030204" pitchFamily="34" charset="0"/>
                         </a:rPr>
-                        <a:t>1290</a:t>
+                        <a:t>$1290</a:t>
                       </a:r>
                     </a:p>
                   </a:txBody>
@@ -25576,14 +25586,14 @@
                     <a:p>
                       <a:pPr algn="ctr" fontAlgn="b"/>
                       <a:r>
-                        <a:rPr lang="en-US" sz="1400" b="0" i="0" u="none" strike="noStrike">
+                        <a:rPr lang="en-US" sz="1400" b="0" i="0" u="none" strike="noStrike" dirty="0">
                           <a:solidFill>
                             <a:srgbClr val="000000"/>
                           </a:solidFill>
                           <a:effectLst/>
                           <a:latin typeface="Calibri" panose="020F0502020204030204" pitchFamily="34" charset="0"/>
                         </a:rPr>
-                        <a:t>1368.5</a:t>
+                        <a:t>$1368.5</a:t>
                       </a:r>
                     </a:p>
                   </a:txBody>
@@ -25595,7 +25605,7 @@
                   </a:ext>
                 </a:extLst>
               </a:tr>
-              <a:tr h="392737">
+              <a:tr h="383682">
                 <a:tc>
                   <a:txBody>
                     <a:bodyPr/>
@@ -25630,7 +25640,7 @@
                           <a:effectLst/>
                           <a:latin typeface="Calibri" panose="020F0502020204030204" pitchFamily="34" charset="0"/>
                         </a:rPr>
-                        <a:t>2219</a:t>
+                        <a:t>$2219</a:t>
                       </a:r>
                     </a:p>
                   </a:txBody>
@@ -25650,7 +25660,7 @@
                           <a:effectLst/>
                           <a:latin typeface="Calibri" panose="020F0502020204030204" pitchFamily="34" charset="0"/>
                         </a:rPr>
-                        <a:t>1365.5</a:t>
+                        <a:t>$1365.5</a:t>
                       </a:r>
                     </a:p>
                   </a:txBody>
@@ -25663,14 +25673,14 @@
                     <a:p>
                       <a:pPr algn="ctr" fontAlgn="b"/>
                       <a:r>
-                        <a:rPr lang="en-US" sz="1400" b="0" i="0" u="none" strike="noStrike">
+                        <a:rPr lang="en-US" sz="1400" b="0" i="0" u="none" strike="noStrike" dirty="0">
                           <a:solidFill>
                             <a:srgbClr val="000000"/>
                           </a:solidFill>
                           <a:effectLst/>
                           <a:latin typeface="Calibri" panose="020F0502020204030204" pitchFamily="34" charset="0"/>
                         </a:rPr>
-                        <a:t>1407.5</a:t>
+                        <a:t>$1407.5</a:t>
                       </a:r>
                     </a:p>
                   </a:txBody>
@@ -25682,7 +25692,7 @@
                   </a:ext>
                 </a:extLst>
               </a:tr>
-              <a:tr h="392737">
+              <a:tr h="383682">
                 <a:tc>
                   <a:txBody>
                     <a:bodyPr/>
@@ -25710,14 +25720,14 @@
                     <a:p>
                       <a:pPr algn="ctr" fontAlgn="b"/>
                       <a:r>
-                        <a:rPr lang="en-US" sz="1400" b="0" i="0" u="none" strike="noStrike">
+                        <a:rPr lang="en-US" sz="1400" b="0" i="0" u="none" strike="noStrike" dirty="0">
                           <a:solidFill>
                             <a:srgbClr val="000000"/>
                           </a:solidFill>
                           <a:effectLst/>
                           <a:latin typeface="Calibri" panose="020F0502020204030204" pitchFamily="34" charset="0"/>
                         </a:rPr>
-                        <a:t>2304.5</a:t>
+                        <a:t>$2304.5</a:t>
                       </a:r>
                     </a:p>
                   </a:txBody>
@@ -25737,7 +25747,7 @@
                           <a:effectLst/>
                           <a:latin typeface="Calibri" panose="020F0502020204030204" pitchFamily="34" charset="0"/>
                         </a:rPr>
-                        <a:t>1444</a:t>
+                        <a:t>$1444</a:t>
                       </a:r>
                     </a:p>
                   </a:txBody>
@@ -25750,14 +25760,14 @@
                     <a:p>
                       <a:pPr algn="ctr" fontAlgn="b"/>
                       <a:r>
-                        <a:rPr lang="en-US" sz="1400" b="0" i="0" u="none" strike="noStrike">
+                        <a:rPr lang="en-US" sz="1400" b="0" i="0" u="none" strike="noStrike" dirty="0">
                           <a:solidFill>
                             <a:srgbClr val="000000"/>
                           </a:solidFill>
                           <a:effectLst/>
                           <a:latin typeface="Calibri" panose="020F0502020204030204" pitchFamily="34" charset="0"/>
                         </a:rPr>
-                        <a:t>1466</a:t>
+                        <a:t>$1466</a:t>
                       </a:r>
                     </a:p>
                   </a:txBody>
@@ -25769,7 +25779,7 @@
                   </a:ext>
                 </a:extLst>
               </a:tr>
-              <a:tr h="392737">
+              <a:tr h="383682">
                 <a:tc>
                   <a:txBody>
                     <a:bodyPr/>
@@ -25797,34 +25807,14 @@
                     <a:p>
                       <a:pPr algn="ctr" fontAlgn="b"/>
                       <a:r>
-                        <a:rPr lang="en-US" sz="1400" b="0" i="0" u="none" strike="noStrike">
+                        <a:rPr lang="en-US" sz="1400" b="0" i="0" u="none" strike="noStrike" dirty="0">
                           <a:solidFill>
                             <a:srgbClr val="000000"/>
                           </a:solidFill>
                           <a:effectLst/>
                           <a:latin typeface="Calibri" panose="020F0502020204030204" pitchFamily="34" charset="0"/>
                         </a:rPr>
-                        <a:t>2322.5</a:t>
-                      </a:r>
-                    </a:p>
-                  </a:txBody>
-                  <a:tcPr marL="7620" marR="7620" marT="7620" marB="0" anchor="b"/>
-                </a:tc>
-                <a:tc>
-                  <a:txBody>
-                    <a:bodyPr/>
-                    <a:lstStyle/>
-                    <a:p>
-                      <a:pPr algn="ctr" fontAlgn="b"/>
-                      <a:r>
-                        <a:rPr lang="en-US" sz="1400" b="0" i="0" u="none" strike="noStrike">
-                          <a:solidFill>
-                            <a:srgbClr val="000000"/>
-                          </a:solidFill>
-                          <a:effectLst/>
-                          <a:latin typeface="Calibri" panose="020F0502020204030204" pitchFamily="34" charset="0"/>
-                        </a:rPr>
-                        <a:t>1500.5</a:t>
+                        <a:t>$2322.5</a:t>
                       </a:r>
                     </a:p>
                   </a:txBody>
@@ -25844,7 +25834,27 @@
                           <a:effectLst/>
                           <a:latin typeface="Calibri" panose="020F0502020204030204" pitchFamily="34" charset="0"/>
                         </a:rPr>
-                        <a:t>1509.5</a:t>
+                        <a:t>$1500.5</a:t>
+                      </a:r>
+                    </a:p>
+                  </a:txBody>
+                  <a:tcPr marL="7620" marR="7620" marT="7620" marB="0" anchor="b"/>
+                </a:tc>
+                <a:tc>
+                  <a:txBody>
+                    <a:bodyPr/>
+                    <a:lstStyle/>
+                    <a:p>
+                      <a:pPr algn="ctr" fontAlgn="b"/>
+                      <a:r>
+                        <a:rPr lang="en-US" sz="1400" b="0" i="0" u="none" strike="noStrike" dirty="0">
+                          <a:solidFill>
+                            <a:srgbClr val="000000"/>
+                          </a:solidFill>
+                          <a:effectLst/>
+                          <a:latin typeface="Calibri" panose="020F0502020204030204" pitchFamily="34" charset="0"/>
+                        </a:rPr>
+                        <a:t>$1509.5</a:t>
                       </a:r>
                     </a:p>
                   </a:txBody>
@@ -25856,7 +25866,7 @@
                   </a:ext>
                 </a:extLst>
               </a:tr>
-              <a:tr h="392737">
+              <a:tr h="383682">
                 <a:tc>
                   <a:txBody>
                     <a:bodyPr/>
@@ -25891,7 +25901,7 @@
                           <a:effectLst/>
                           <a:latin typeface="Calibri" panose="020F0502020204030204" pitchFamily="34" charset="0"/>
                         </a:rPr>
-                        <a:t>2430.5</a:t>
+                        <a:t>$2430.5</a:t>
                       </a:r>
                     </a:p>
                   </a:txBody>
@@ -25911,7 +25921,7 @@
                           <a:effectLst/>
                           <a:latin typeface="Calibri" panose="020F0502020204030204" pitchFamily="34" charset="0"/>
                         </a:rPr>
-                        <a:t>1708</a:t>
+                        <a:t>$1708</a:t>
                       </a:r>
                     </a:p>
                   </a:txBody>
@@ -25931,7 +25941,7 @@
                           <a:effectLst/>
                           <a:latin typeface="Calibri" panose="020F0502020204030204" pitchFamily="34" charset="0"/>
                         </a:rPr>
-                        <a:t>1642.5</a:t>
+                        <a:t>$1642.5</a:t>
                       </a:r>
                     </a:p>
                   </a:txBody>
@@ -25962,14 +25972,14 @@
           <p:nvPr>
             <p:extLst>
               <p:ext uri="{D42A27DB-BD31-4B8C-83A1-F6EECF244321}">
-                <p14:modId xmlns:p14="http://schemas.microsoft.com/office/powerpoint/2010/main" val="3275737096"/>
+                <p14:modId xmlns:p14="http://schemas.microsoft.com/office/powerpoint/2010/main" val="1503549847"/>
               </p:ext>
             </p:extLst>
           </p:nvPr>
         </p:nvGraphicFramePr>
         <p:xfrm>
-          <a:off x="1402672" y="5566302"/>
-          <a:ext cx="8052048" cy="281940"/>
+          <a:off x="996696" y="5563908"/>
+          <a:ext cx="7488936" cy="281940"/>
         </p:xfrm>
         <a:graphic>
           <a:graphicData uri="http://schemas.openxmlformats.org/drawingml/2006/table">
@@ -25978,28 +25988,28 @@
                 <a:tableStyleId>{7DF18680-E054-41AD-8BC1-D1AEF772440D}</a:tableStyleId>
               </a:tblPr>
               <a:tblGrid>
-                <a:gridCol w="2017184">
+                <a:gridCol w="1876114">
                   <a:extLst>
                     <a:ext uri="{9D8B030D-6E8A-4147-A177-3AD203B41FA5}">
                       <a16:colId xmlns:a16="http://schemas.microsoft.com/office/drawing/2014/main" val="8693758"/>
                     </a:ext>
                   </a:extLst>
                 </a:gridCol>
-                <a:gridCol w="2011680">
+                <a:gridCol w="1870995">
                   <a:extLst>
                     <a:ext uri="{9D8B030D-6E8A-4147-A177-3AD203B41FA5}">
                       <a16:colId xmlns:a16="http://schemas.microsoft.com/office/drawing/2014/main" val="527614587"/>
                     </a:ext>
                   </a:extLst>
                 </a:gridCol>
-                <a:gridCol w="2011680">
+                <a:gridCol w="1870995">
                   <a:extLst>
                     <a:ext uri="{9D8B030D-6E8A-4147-A177-3AD203B41FA5}">
                       <a16:colId xmlns:a16="http://schemas.microsoft.com/office/drawing/2014/main" val="690023139"/>
                     </a:ext>
                   </a:extLst>
                 </a:gridCol>
-                <a:gridCol w="2011504">
+                <a:gridCol w="1870832">
                   <a:extLst>
                     <a:ext uri="{9D8B030D-6E8A-4147-A177-3AD203B41FA5}">
                       <a16:colId xmlns:a16="http://schemas.microsoft.com/office/drawing/2014/main" val="3923824274"/>
@@ -26020,7 +26030,7 @@
                             <a:schemeClr val="tx1"/>
                           </a:solidFill>
                         </a:rPr>
-                        <a:t>Changes(2021 – 2014): </a:t>
+                        <a:t>Changes(2014 – 2021): </a:t>
                       </a:r>
                     </a:p>
                   </a:txBody>
@@ -26040,7 +26050,7 @@
                           <a:effectLst/>
                           <a:latin typeface="Calibri" panose="020F0502020204030204" pitchFamily="34" charset="0"/>
                         </a:rPr>
-                        <a:t>654</a:t>
+                        <a:t>26%</a:t>
                       </a:r>
                     </a:p>
                   </a:txBody>
@@ -26060,7 +26070,7 @@
                           <a:effectLst/>
                           <a:latin typeface="Calibri" panose="020F0502020204030204" pitchFamily="34" charset="0"/>
                         </a:rPr>
-                        <a:t>609</a:t>
+                        <a:t>35%</a:t>
                       </a:r>
                     </a:p>
                   </a:txBody>
@@ -26080,7 +26090,7 @@
                           <a:effectLst/>
                           <a:latin typeface="Calibri" panose="020F0502020204030204" pitchFamily="34" charset="0"/>
                         </a:rPr>
-                        <a:t>475.5</a:t>
+                        <a:t>28%</a:t>
                       </a:r>
                     </a:p>
                   </a:txBody>
@@ -26096,6 +26106,108 @@
           </a:graphicData>
         </a:graphic>
       </p:graphicFrame>
+      <p:sp>
+        <p:nvSpPr>
+          <p:cNvPr id="3" name="TextBox 2">
+            <a:extLst>
+              <a:ext uri="{FF2B5EF4-FFF2-40B4-BE49-F238E27FC236}">
+                <a16:creationId xmlns:a16="http://schemas.microsoft.com/office/drawing/2014/main" id="{6E8555DC-BC9A-48CB-BB71-0717F745A3F7}"/>
+              </a:ext>
+            </a:extLst>
+          </p:cNvPr>
+          <p:cNvSpPr txBox="1"/>
+          <p:nvPr/>
+        </p:nvSpPr>
+        <p:spPr>
+          <a:xfrm>
+            <a:off x="8695944" y="2141034"/>
+            <a:ext cx="2843784" cy="3877985"/>
+          </a:xfrm>
+          <a:prstGeom prst="rect">
+            <a:avLst/>
+          </a:prstGeom>
+          <a:noFill/>
+        </p:spPr>
+        <p:txBody>
+          <a:bodyPr wrap="square" rtlCol="0">
+            <a:spAutoFit/>
+          </a:bodyPr>
+          <a:lstStyle/>
+          <a:p>
+            <a:pPr marL="285750" indent="-285750">
+              <a:buFont typeface="Arial" panose="020B0604020202020204" pitchFamily="34" charset="0"/>
+              <a:buChar char="•"/>
+            </a:pPr>
+            <a:r>
+              <a:rPr lang="en-US" sz="1600" dirty="0"/>
+              <a:t>The average cost of rental in 3 cities are getting more </a:t>
+            </a:r>
+            <a:r>
+              <a:rPr lang="en-US" sz="1600" dirty="0" err="1"/>
+              <a:t>expensiver</a:t>
+            </a:r>
+            <a:r>
+              <a:rPr lang="en-US" sz="1600" dirty="0"/>
+              <a:t> each year. </a:t>
+            </a:r>
+          </a:p>
+          <a:p>
+            <a:pPr marL="285750" indent="-285750">
+              <a:buFont typeface="Arial" panose="020B0604020202020204" pitchFamily="34" charset="0"/>
+              <a:buChar char="•"/>
+            </a:pPr>
+            <a:endParaRPr lang="en-US" sz="1600" dirty="0"/>
+          </a:p>
+          <a:p>
+            <a:pPr marL="285750" indent="-285750">
+              <a:buFont typeface="Arial" panose="020B0604020202020204" pitchFamily="34" charset="0"/>
+              <a:buChar char="•"/>
+            </a:pPr>
+            <a:r>
+              <a:rPr lang="en-US" sz="1600" dirty="0"/>
+              <a:t>The rental costs in Atlanta and Nashville in 2021 is still in LA 2014 level. </a:t>
+            </a:r>
+          </a:p>
+          <a:p>
+            <a:pPr marL="285750" indent="-285750">
+              <a:buFont typeface="Arial" panose="020B0604020202020204" pitchFamily="34" charset="0"/>
+              <a:buChar char="•"/>
+            </a:pPr>
+            <a:endParaRPr lang="en-US" sz="1600" dirty="0"/>
+          </a:p>
+          <a:p>
+            <a:pPr marL="285750" indent="-285750">
+              <a:buFont typeface="Arial" panose="020B0604020202020204" pitchFamily="34" charset="0"/>
+              <a:buChar char="•"/>
+            </a:pPr>
+            <a:r>
+              <a:rPr lang="en-US" sz="1600" dirty="0"/>
+              <a:t>Costs in Atlanta is leading the year change rate. The rental charge in Nashville still have room grow. </a:t>
+            </a:r>
+          </a:p>
+          <a:p>
+            <a:pPr marL="285750" indent="-285750">
+              <a:buFont typeface="Arial" panose="020B0604020202020204" pitchFamily="34" charset="0"/>
+              <a:buChar char="•"/>
+            </a:pPr>
+            <a:endParaRPr lang="en-US" dirty="0"/>
+          </a:p>
+          <a:p>
+            <a:pPr marL="285750" indent="-285750">
+              <a:buFont typeface="Arial" panose="020B0604020202020204" pitchFamily="34" charset="0"/>
+              <a:buChar char="•"/>
+            </a:pPr>
+            <a:endParaRPr lang="en-US" dirty="0"/>
+          </a:p>
+          <a:p>
+            <a:pPr marL="285750" indent="-285750">
+              <a:buFont typeface="Arial" panose="020B0604020202020204" pitchFamily="34" charset="0"/>
+              <a:buChar char="•"/>
+            </a:pPr>
+            <a:endParaRPr lang="en-US" dirty="0"/>
+          </a:p>
+        </p:txBody>
+      </p:sp>
     </p:spTree>
     <p:extLst>
       <p:ext uri="{BB962C8B-B14F-4D97-AF65-F5344CB8AC3E}">
@@ -26233,7 +26345,7 @@
         </p:spPr>
         <p:txBody>
           <a:bodyPr>
-            <a:normAutofit fontScale="92500" lnSpcReduction="10000"/>
+            <a:normAutofit/>
           </a:bodyPr>
           <a:lstStyle/>
           <a:p>
@@ -26243,7 +26355,7 @@
             </a:pPr>
             <a:r>
               <a:rPr lang="en-US" dirty="0"/>
-              <a:t>The cost of rental in 3 cities are getting mor expensive each year. The cost in Atlanta and Nashville as same as LA in 2014, </a:t>
+              <a:t>In graph-2,The average of Nashville is slightly higher than Atlanta until 2020. </a:t>
             </a:r>
           </a:p>
           <a:p>
@@ -26253,7 +26365,7 @@
             </a:pPr>
             <a:r>
               <a:rPr lang="en-US" dirty="0"/>
-              <a:t>From the graph-1, the cost in Atlanta and LA increased the same level in 7 years in the average. The rental in Nashville still have room to grow. </a:t>
+              <a:t>Considering the city population and size, Nashville has the positive sign for rental profitability since 2014. </a:t>
             </a:r>
           </a:p>
           <a:p>
@@ -26263,7 +26375,7 @@
             </a:pPr>
             <a:r>
               <a:rPr lang="en-US" dirty="0"/>
-              <a:t>In graph-2,The average of Nashville is slightly higher than Atlanta until 2021. </a:t>
+              <a:t>While the city growth, the Nashville rental properties will be more valuable. </a:t>
             </a:r>
           </a:p>
           <a:p>
@@ -26271,10 +26383,7 @@
               <a:buFont typeface="Arial" panose="020B0604020202020204" pitchFamily="34" charset="0"/>
               <a:buChar char="•"/>
             </a:pPr>
-            <a:r>
-              <a:rPr lang="en-US" dirty="0"/>
-              <a:t>Considering the population and city size, the investing house as rental property in Nashville is attractive to the buyers and builders for coming years.  </a:t>
-            </a:r>
+            <a:endParaRPr lang="en-US" dirty="0"/>
           </a:p>
           <a:p>
             <a:pPr marL="285750" indent="-285750">
@@ -26303,10 +26412,10 @@
       </p:sp>
       <p:pic>
         <p:nvPicPr>
-          <p:cNvPr id="2052" name="Picture 4">
+          <p:cNvPr id="1026" name="Picture 2">
             <a:extLst>
               <a:ext uri="{FF2B5EF4-FFF2-40B4-BE49-F238E27FC236}">
-                <a16:creationId xmlns:a16="http://schemas.microsoft.com/office/drawing/2014/main" id="{7965D8F4-1589-4C06-A50E-1C92108B4EE1}"/>
+                <a16:creationId xmlns:a16="http://schemas.microsoft.com/office/drawing/2014/main" id="{64E7FE7B-776A-4377-9E79-E937CE0B836E}"/>
               </a:ext>
             </a:extLst>
           </p:cNvPr>
@@ -26330,8 +26439,8 @@
         </p:blipFill>
         <p:spPr bwMode="auto">
           <a:xfrm>
-            <a:off x="5081321" y="1593321"/>
-            <a:ext cx="6343924" cy="4628900"/>
+            <a:off x="5422392" y="1678305"/>
+            <a:ext cx="6175992" cy="4247007"/>
           </a:xfrm>
           <a:prstGeom prst="rect">
             <a:avLst/>
@@ -26547,7 +26656,7 @@
             </a:pPr>
             <a:r>
               <a:rPr lang="en-US" sz="1800" dirty="0"/>
-              <a:t>US Federal Reserve more likely keep the same rates until 2022 or 2023. The potential buyers will show more interesting by the low rates in general</a:t>
+              <a:t>US Federal Reserve more likely keep the same rates until the end of 2022 or 2023. The potential buyers will show more interesting by the low rates in general. </a:t>
             </a:r>
           </a:p>
           <a:p>
@@ -26878,8 +26987,8 @@
         </p:blipFill>
         <p:spPr bwMode="auto">
           <a:xfrm>
-            <a:off x="5586649" y="1494994"/>
-            <a:ext cx="5459303" cy="4340849"/>
+            <a:off x="5615462" y="1517904"/>
+            <a:ext cx="5430490" cy="4317939"/>
           </a:xfrm>
           <a:prstGeom prst="rect">
             <a:avLst/>
@@ -26969,8 +27078,8 @@
         </p:nvSpPr>
         <p:spPr>
           <a:xfrm>
-            <a:off x="127818" y="1353838"/>
-            <a:ext cx="4444181" cy="5321283"/>
+            <a:off x="49160" y="1153784"/>
+            <a:ext cx="4365523" cy="5321283"/>
           </a:xfrm>
           <a:prstGeom prst="rect">
             <a:avLst/>
@@ -27077,13 +27186,24 @@
             </a:pPr>
             <a:r>
               <a:rPr lang="en-US" sz="2700" dirty="0"/>
-              <a:t>Nashville housing vacancy rate is in the healthy rate. Therefore, the market has no supply issue to meet demand. Before other conditions changing, there may not cause big changes for Nashville to keep health vacancy rate while the city developing and population growth. </a:t>
+              <a:t>Nashville housing vacancy rate is in the healthy rate. Therefore, the market has no supply issue to meet demand. </a:t>
             </a:r>
           </a:p>
           <a:p>
             <a:pPr marL="285750" indent="-285750">
+              <a:lnSpc>
+                <a:spcPct val="120000"/>
+              </a:lnSpc>
               <a:buFont typeface="Arial" panose="020B0604020202020204" pitchFamily="34" charset="0"/>
               <a:buChar char="•"/>
+            </a:pPr>
+            <a:endParaRPr lang="en-US" sz="2700" dirty="0"/>
+          </a:p>
+          <a:p>
+            <a:pPr>
+              <a:lnSpc>
+                <a:spcPct val="120000"/>
+              </a:lnSpc>
             </a:pPr>
             <a:endParaRPr lang="en-US" sz="1600" dirty="0"/>
           </a:p>
@@ -27411,7 +27531,7 @@
         </p:spPr>
         <p:txBody>
           <a:bodyPr vert="horz" lIns="91440" tIns="45720" rIns="91440" bIns="45720" rtlCol="0" anchor="ctr">
-            <a:normAutofit fontScale="90000" lnSpcReduction="10000"/>
+            <a:normAutofit fontScale="97500" lnSpcReduction="10000"/>
           </a:bodyPr>
           <a:lstStyle>
             <a:lvl1pPr algn="l" defTabSz="914400" rtl="0" eaLnBrk="1" latinLnBrk="0" hangingPunct="1">
@@ -27442,7 +27562,7 @@
             </a:pPr>
             <a:r>
               <a:rPr lang="en-US" sz="1800" dirty="0"/>
-              <a:t>None of  cities population growth showing the booming growth rate.</a:t>
+              <a:t>None of  three cities population growth showing the booming growth rate.</a:t>
             </a:r>
           </a:p>
           <a:p>
@@ -27463,10 +27583,6 @@
             </a:r>
           </a:p>
           <a:p>
-            <a:pPr marL="285750" indent="-285750">
-              <a:buFont typeface="Arial" panose="020B0604020202020204" pitchFamily="34" charset="0"/>
-              <a:buChar char="•"/>
-            </a:pPr>
             <a:endParaRPr lang="en-US" sz="1800" dirty="0"/>
           </a:p>
           <a:p>
@@ -27476,28 +27592,8 @@
             </a:pPr>
             <a:r>
               <a:rPr lang="en-US" sz="1800" dirty="0"/>
-              <a:t>From the rental data, Nashville metro rental still lower 30% than Atlanta which the population level is higher. </a:t>
+              <a:t>we can expect the rental price in Nashville Metro area will be increasing during the years to match Atlanta level. However, the population that would like to live in the Nashville Metro area may show the opposite way.</a:t>
             </a:r>
-          </a:p>
-          <a:p>
-            <a:pPr marL="285750" indent="-285750">
-              <a:buFont typeface="Arial" panose="020B0604020202020204" pitchFamily="34" charset="0"/>
-              <a:buChar char="•"/>
-            </a:pPr>
-            <a:endParaRPr lang="en-US" sz="1800" dirty="0"/>
-          </a:p>
-          <a:p>
-            <a:pPr marL="285750" indent="-285750">
-              <a:buFont typeface="Arial" panose="020B0604020202020204" pitchFamily="34" charset="0"/>
-              <a:buChar char="•"/>
-            </a:pPr>
-            <a:r>
-              <a:rPr lang="en-US" sz="1800" dirty="0"/>
-              <a:t>we can expect the rental price in Nashville Metro area will be increasing during the years to match Atlanta level. However, the population that would like to live in the Nashville Metro area may show the opposite way and may drive the house value and rental costs higher. </a:t>
-            </a:r>
-          </a:p>
-          <a:p>
-            <a:endParaRPr lang="en-US" sz="1800" dirty="0"/>
           </a:p>
           <a:p>
             <a:pPr marL="285750" indent="-285750">
@@ -28353,21 +28449,21 @@
 </file>
 
 <file path=customXml/item2.xml><?xml version="1.0" encoding="utf-8"?>
+<p:properties xmlns:p="http://schemas.microsoft.com/office/2006/metadata/properties" xmlns:xsi="http://www.w3.org/2001/XMLSchema-instance" xmlns:pc="http://schemas.microsoft.com/office/infopath/2007/PartnerControls">
+  <documentManagement>
+    <Status xmlns="71af3243-3dd4-4a8d-8c0d-dd76da1f02a5">Not started</Status>
+    <MediaServiceKeyPoints xmlns="71af3243-3dd4-4a8d-8c0d-dd76da1f02a5" xsi:nil="true"/>
+  </documentManagement>
+</p:properties>
+</file>
+
+<file path=customXml/item3.xml><?xml version="1.0" encoding="utf-8"?>
 <?mso-contentType ?>
 <FormTemplates xmlns="http://schemas.microsoft.com/sharepoint/v3/contenttype/forms">
   <Display>DocumentLibraryForm</Display>
   <Edit>DocumentLibraryForm</Edit>
   <New>DocumentLibraryForm</New>
 </FormTemplates>
-</file>
-
-<file path=customXml/item3.xml><?xml version="1.0" encoding="utf-8"?>
-<p:properties xmlns:p="http://schemas.microsoft.com/office/2006/metadata/properties" xmlns:xsi="http://www.w3.org/2001/XMLSchema-instance" xmlns:pc="http://schemas.microsoft.com/office/infopath/2007/PartnerControls">
-  <documentManagement>
-    <Status xmlns="71af3243-3dd4-4a8d-8c0d-dd76da1f02a5">Not started</Status>
-    <MediaServiceKeyPoints xmlns="71af3243-3dd4-4a8d-8c0d-dd76da1f02a5" xsi:nil="true"/>
-  </documentManagement>
-</p:properties>
 </file>
 
 <file path=customXml/itemProps1.xml><?xml version="1.0" encoding="utf-8"?>
@@ -28390,14 +28486,6 @@
 </file>
 
 <file path=customXml/itemProps2.xml><?xml version="1.0" encoding="utf-8"?>
-<ds:datastoreItem xmlns:ds="http://schemas.openxmlformats.org/officeDocument/2006/customXml" ds:itemID="{AA3F7EDC-E5B4-4BBC-9D2A-CBE6D46C37AD}">
-  <ds:schemaRefs>
-    <ds:schemaRef ds:uri="http://schemas.microsoft.com/sharepoint/v3/contenttype/forms"/>
-  </ds:schemaRefs>
-</ds:datastoreItem>
-</file>
-
-<file path=customXml/itemProps3.xml><?xml version="1.0" encoding="utf-8"?>
 <ds:datastoreItem xmlns:ds="http://schemas.openxmlformats.org/officeDocument/2006/customXml" ds:itemID="{A03EEFF0-FB57-4CB4-8BFC-DF397689E2ED}">
   <ds:schemaRefs>
     <ds:schemaRef ds:uri="http://schemas.microsoft.com/office/2006/metadata/properties"/>
@@ -28405,4 +28493,12 @@
     <ds:schemaRef ds:uri="71af3243-3dd4-4a8d-8c0d-dd76da1f02a5"/>
   </ds:schemaRefs>
 </ds:datastoreItem>
+</file>
+
+<file path=customXml/itemProps3.xml><?xml version="1.0" encoding="utf-8"?>
+<ds:datastoreItem xmlns:ds="http://schemas.openxmlformats.org/officeDocument/2006/customXml" ds:itemID="{AA3F7EDC-E5B4-4BBC-9D2A-CBE6D46C37AD}">
+  <ds:schemaRefs>
+    <ds:schemaRef ds:uri="http://schemas.microsoft.com/sharepoint/v3/contenttype/forms"/>
+  </ds:schemaRefs>
+</ds:datastoreItem>
 </file>